--- a/text_files/normalization_and_standarization/KNN Classification and Regression Great Super.pptx
+++ b/text_files/normalization_and_standarization/KNN Classification and Regression Great Super.pptx
@@ -307,11 +307,11 @@
             </c:ext>
           </c:extLst>
         </c:ser>
-        <c:axId val="129288832"/>
-        <c:axId val="158002176"/>
+        <c:axId val="59421440"/>
+        <c:axId val="59422976"/>
       </c:scatterChart>
       <c:valAx>
-        <c:axId val="129288832"/>
+        <c:axId val="59421440"/>
         <c:scaling>
           <c:orientation val="minMax"/>
         </c:scaling>
@@ -328,12 +328,12 @@
             <a:endParaRPr lang="en-US"/>
           </a:p>
         </c:txPr>
-        <c:crossAx val="158002176"/>
+        <c:crossAx val="59422976"/>
         <c:crosses val="autoZero"/>
         <c:crossBetween val="midCat"/>
       </c:valAx>
       <c:valAx>
-        <c:axId val="158002176"/>
+        <c:axId val="59422976"/>
         <c:scaling>
           <c:orientation val="minMax"/>
         </c:scaling>
@@ -351,7 +351,7 @@
             <a:endParaRPr lang="en-US"/>
           </a:p>
         </c:txPr>
-        <c:crossAx val="129288832"/>
+        <c:crossAx val="59421440"/>
         <c:crosses val="autoZero"/>
         <c:crossBetween val="midCat"/>
       </c:valAx>
@@ -593,7 +593,7 @@
               <a:pPr>
                 <a:defRPr/>
               </a:pPr>
-              <a:t>4/8/2020</a:t>
+              <a:t>1/29/2021</a:t>
             </a:fld>
             <a:endParaRPr lang="en-CA"/>
           </a:p>
@@ -6486,10 +6486,10 @@
                     <a:p>
                       <a:pPr algn="ctr" fontAlgn="b"/>
                       <a:r>
-                        <a:rPr lang="en-CA" sz="1800" u="none" strike="noStrike"/>
-                        <a:t>Default</a:t>
+                        <a:rPr lang="en-CA" sz="1800" u="none" strike="noStrike" dirty="0" smtClean="0"/>
+                        <a:t>Defaulted</a:t>
                       </a:r>
-                      <a:endParaRPr lang="en-CA" sz="1800" b="0" i="0" u="none" strike="noStrike">
+                      <a:endParaRPr lang="en-CA" sz="1800" b="0" i="0" u="none" strike="noStrike" dirty="0">
                         <a:solidFill>
                           <a:srgbClr val="000000"/>
                         </a:solidFill>
